--- a/internal-offering-evolution.pptx
+++ b/internal-offering-evolution.pptx
@@ -2549,7 +2549,7 @@
                 <a:ea typeface="Calibri" pitchFamily="34" charset="-122"/>
                 <a:cs typeface="Calibri" pitchFamily="34" charset="-120"/>
               </a:rPr>
-              <a:t>10,000+ D&amp;A Professionals</a:t>
+              <a:t>Global Scale, Local Expertise</a:t>
             </a:r>
             <a:endParaRPr lang="en-US" sz="1200" dirty="0"/>
           </a:p>
@@ -2588,7 +2588,7 @@
                 <a:ea typeface="Calibri" pitchFamily="34" charset="-122"/>
                 <a:cs typeface="Calibri" pitchFamily="34" charset="-120"/>
               </a:rPr>
-              <a:t>35+ countries. Deep IBIOL sectoral knowledge. 75% of Fortune Global 100 served.</a:t>
+              <a:t>$30B+ organization. ~200,000 employees across 70+ countries. 75% of Fortune Global 100 served.</a:t>
             </a:r>
             <a:endParaRPr lang="en-US" sz="900" dirty="0"/>
           </a:p>
@@ -12614,7 +12614,7 @@
                 <a:ea typeface="Calibri" pitchFamily="34" charset="-122"/>
                 <a:cs typeface="Calibri" pitchFamily="34" charset="-120"/>
               </a:rPr>
-              <a:t>PHASE 1  ·  H1 2026</a:t>
+              <a:t>PHASE 1  ·  1º SEM 2026</a:t>
             </a:r>
             <a:endParaRPr lang="en-US" sz="800" dirty="0"/>
           </a:p>
@@ -13054,7 +13054,7 @@
                 <a:ea typeface="Calibri" pitchFamily="34" charset="-122"/>
                 <a:cs typeface="Calibri" pitchFamily="34" charset="-120"/>
               </a:rPr>
-              <a:t>PHASE 2  ·  H2 2026</a:t>
+              <a:t>PHASE 2  ·  2º SEM 2026</a:t>
             </a:r>
             <a:endParaRPr lang="en-US" sz="800" dirty="0"/>
           </a:p>

--- a/internal-offering-evolution.pptx
+++ b/internal-offering-evolution.pptx
@@ -12614,7 +12614,7 @@
                 <a:ea typeface="Calibri" pitchFamily="34" charset="-122"/>
                 <a:cs typeface="Calibri" pitchFamily="34" charset="-120"/>
               </a:rPr>
-              <a:t>PHASE 1  ·  1º SEM 2026</a:t>
+              <a:t>PHASE 1  ·  FIRST HALF 2026</a:t>
             </a:r>
             <a:endParaRPr lang="en-US" sz="800" dirty="0"/>
           </a:p>
@@ -13054,7 +13054,7 @@
                 <a:ea typeface="Calibri" pitchFamily="34" charset="-122"/>
                 <a:cs typeface="Calibri" pitchFamily="34" charset="-120"/>
               </a:rPr>
-              <a:t>PHASE 2  ·  2º SEM 2026</a:t>
+              <a:t>PHASE 2  ·  SECOND HALF 2026</a:t>
             </a:r>
             <a:endParaRPr lang="en-US" sz="800" dirty="0"/>
           </a:p>
